--- a/조건부확률 임용고시 2011.pptx
+++ b/조건부확률 임용고시 2011.pptx
@@ -164,10 +164,9 @@
           </a:lstStyle>
           <a:p>
             <a:r>
-              <a:rPr lang="en-US" smtClean="0"/>
+              <a:rPr lang="en-US"/>
               <a:t>Click to edit Master title style</a:t>
             </a:r>
-            <a:endParaRPr lang="en-US"/>
           </a:p>
         </p:txBody>
       </p:sp>
@@ -229,10 +228,9 @@
           </a:lstStyle>
           <a:p>
             <a:r>
-              <a:rPr lang="en-US" smtClean="0"/>
+              <a:rPr lang="en-US"/>
               <a:t>Click to edit Master subtitle style</a:t>
             </a:r>
-            <a:endParaRPr lang="en-US"/>
           </a:p>
         </p:txBody>
       </p:sp>
@@ -253,7 +251,7 @@
           <a:p>
             <a:fld id="{5B3AD1D6-AE87-C841-B3FD-7C9F7FCAE5AE}" type="datetimeFigureOut">
               <a:rPr lang="en-US" smtClean="0"/>
-              <a:t>12/15/19</a:t>
+              <a:t>12/22/19</a:t>
             </a:fld>
             <a:endParaRPr lang="en-US"/>
           </a:p>
@@ -347,10 +345,9 @@
           <a:lstStyle/>
           <a:p>
             <a:r>
-              <a:rPr lang="en-US" smtClean="0"/>
+              <a:rPr lang="en-US"/>
               <a:t>Click to edit Master title style</a:t>
             </a:r>
-            <a:endParaRPr lang="en-US"/>
           </a:p>
         </p:txBody>
       </p:sp>
@@ -371,38 +368,37 @@
           <a:p>
             <a:pPr lvl="0"/>
             <a:r>
-              <a:rPr lang="en-US" smtClean="0"/>
+              <a:rPr lang="en-US"/>
               <a:t>Click to edit Master text styles</a:t>
             </a:r>
           </a:p>
           <a:p>
             <a:pPr lvl="1"/>
             <a:r>
-              <a:rPr lang="en-US" smtClean="0"/>
+              <a:rPr lang="en-US"/>
               <a:t>Second level</a:t>
             </a:r>
           </a:p>
           <a:p>
             <a:pPr lvl="2"/>
             <a:r>
-              <a:rPr lang="en-US" smtClean="0"/>
+              <a:rPr lang="en-US"/>
               <a:t>Third level</a:t>
             </a:r>
           </a:p>
           <a:p>
             <a:pPr lvl="3"/>
             <a:r>
-              <a:rPr lang="en-US" smtClean="0"/>
+              <a:rPr lang="en-US"/>
               <a:t>Fourth level</a:t>
             </a:r>
           </a:p>
           <a:p>
             <a:pPr lvl="4"/>
             <a:r>
-              <a:rPr lang="en-US" smtClean="0"/>
+              <a:rPr lang="en-US"/>
               <a:t>Fifth level</a:t>
             </a:r>
-            <a:endParaRPr lang="en-US"/>
           </a:p>
         </p:txBody>
       </p:sp>
@@ -423,7 +419,7 @@
           <a:p>
             <a:fld id="{5B3AD1D6-AE87-C841-B3FD-7C9F7FCAE5AE}" type="datetimeFigureOut">
               <a:rPr lang="en-US" smtClean="0"/>
-              <a:t>12/15/19</a:t>
+              <a:t>12/22/19</a:t>
             </a:fld>
             <a:endParaRPr lang="en-US"/>
           </a:p>
@@ -522,10 +518,9 @@
           <a:lstStyle/>
           <a:p>
             <a:r>
-              <a:rPr lang="en-US" smtClean="0"/>
+              <a:rPr lang="en-US"/>
               <a:t>Click to edit Master title style</a:t>
             </a:r>
-            <a:endParaRPr lang="en-US"/>
           </a:p>
         </p:txBody>
       </p:sp>
@@ -551,38 +546,37 @@
           <a:p>
             <a:pPr lvl="0"/>
             <a:r>
-              <a:rPr lang="en-US" smtClean="0"/>
+              <a:rPr lang="en-US"/>
               <a:t>Click to edit Master text styles</a:t>
             </a:r>
           </a:p>
           <a:p>
             <a:pPr lvl="1"/>
             <a:r>
-              <a:rPr lang="en-US" smtClean="0"/>
+              <a:rPr lang="en-US"/>
               <a:t>Second level</a:t>
             </a:r>
           </a:p>
           <a:p>
             <a:pPr lvl="2"/>
             <a:r>
-              <a:rPr lang="en-US" smtClean="0"/>
+              <a:rPr lang="en-US"/>
               <a:t>Third level</a:t>
             </a:r>
           </a:p>
           <a:p>
             <a:pPr lvl="3"/>
             <a:r>
-              <a:rPr lang="en-US" smtClean="0"/>
+              <a:rPr lang="en-US"/>
               <a:t>Fourth level</a:t>
             </a:r>
           </a:p>
           <a:p>
             <a:pPr lvl="4"/>
             <a:r>
-              <a:rPr lang="en-US" smtClean="0"/>
+              <a:rPr lang="en-US"/>
               <a:t>Fifth level</a:t>
             </a:r>
-            <a:endParaRPr lang="en-US"/>
           </a:p>
         </p:txBody>
       </p:sp>
@@ -603,7 +597,7 @@
           <a:p>
             <a:fld id="{5B3AD1D6-AE87-C841-B3FD-7C9F7FCAE5AE}" type="datetimeFigureOut">
               <a:rPr lang="en-US" smtClean="0"/>
-              <a:t>12/15/19</a:t>
+              <a:t>12/22/19</a:t>
             </a:fld>
             <a:endParaRPr lang="en-US"/>
           </a:p>
@@ -697,10 +691,9 @@
           <a:lstStyle/>
           <a:p>
             <a:r>
-              <a:rPr lang="en-US" smtClean="0"/>
+              <a:rPr lang="en-US"/>
               <a:t>Click to edit Master title style</a:t>
             </a:r>
-            <a:endParaRPr lang="en-US"/>
           </a:p>
         </p:txBody>
       </p:sp>
@@ -721,38 +714,37 @@
           <a:p>
             <a:pPr lvl="0"/>
             <a:r>
-              <a:rPr lang="en-US" smtClean="0"/>
+              <a:rPr lang="en-US"/>
               <a:t>Click to edit Master text styles</a:t>
             </a:r>
           </a:p>
           <a:p>
             <a:pPr lvl="1"/>
             <a:r>
-              <a:rPr lang="en-US" smtClean="0"/>
+              <a:rPr lang="en-US"/>
               <a:t>Second level</a:t>
             </a:r>
           </a:p>
           <a:p>
             <a:pPr lvl="2"/>
             <a:r>
-              <a:rPr lang="en-US" smtClean="0"/>
+              <a:rPr lang="en-US"/>
               <a:t>Third level</a:t>
             </a:r>
           </a:p>
           <a:p>
             <a:pPr lvl="3"/>
             <a:r>
-              <a:rPr lang="en-US" smtClean="0"/>
+              <a:rPr lang="en-US"/>
               <a:t>Fourth level</a:t>
             </a:r>
           </a:p>
           <a:p>
             <a:pPr lvl="4"/>
             <a:r>
-              <a:rPr lang="en-US" smtClean="0"/>
+              <a:rPr lang="en-US"/>
               <a:t>Fifth level</a:t>
             </a:r>
-            <a:endParaRPr lang="en-US"/>
           </a:p>
         </p:txBody>
       </p:sp>
@@ -773,7 +765,7 @@
           <a:p>
             <a:fld id="{5B3AD1D6-AE87-C841-B3FD-7C9F7FCAE5AE}" type="datetimeFigureOut">
               <a:rPr lang="en-US" smtClean="0"/>
-              <a:t>12/15/19</a:t>
+              <a:t>12/22/19</a:t>
             </a:fld>
             <a:endParaRPr lang="en-US"/>
           </a:p>
@@ -876,10 +868,9 @@
           </a:lstStyle>
           <a:p>
             <a:r>
-              <a:rPr lang="en-US" smtClean="0"/>
+              <a:rPr lang="en-US"/>
               <a:t>Click to edit Master title style</a:t>
             </a:r>
-            <a:endParaRPr lang="en-US"/>
           </a:p>
         </p:txBody>
       </p:sp>
@@ -996,7 +987,7 @@
           <a:p>
             <a:pPr lvl="0"/>
             <a:r>
-              <a:rPr lang="en-US" smtClean="0"/>
+              <a:rPr lang="en-US"/>
               <a:t>Click to edit Master text styles</a:t>
             </a:r>
           </a:p>
@@ -1019,7 +1010,7 @@
           <a:p>
             <a:fld id="{5B3AD1D6-AE87-C841-B3FD-7C9F7FCAE5AE}" type="datetimeFigureOut">
               <a:rPr lang="en-US" smtClean="0"/>
-              <a:t>12/15/19</a:t>
+              <a:t>12/22/19</a:t>
             </a:fld>
             <a:endParaRPr lang="en-US"/>
           </a:p>
@@ -1113,10 +1104,9 @@
           <a:lstStyle/>
           <a:p>
             <a:r>
-              <a:rPr lang="en-US" smtClean="0"/>
+              <a:rPr lang="en-US"/>
               <a:t>Click to edit Master title style</a:t>
             </a:r>
-            <a:endParaRPr lang="en-US"/>
           </a:p>
         </p:txBody>
       </p:sp>
@@ -1142,38 +1132,37 @@
           <a:p>
             <a:pPr lvl="0"/>
             <a:r>
-              <a:rPr lang="en-US" smtClean="0"/>
+              <a:rPr lang="en-US"/>
               <a:t>Click to edit Master text styles</a:t>
             </a:r>
           </a:p>
           <a:p>
             <a:pPr lvl="1"/>
             <a:r>
-              <a:rPr lang="en-US" smtClean="0"/>
+              <a:rPr lang="en-US"/>
               <a:t>Second level</a:t>
             </a:r>
           </a:p>
           <a:p>
             <a:pPr lvl="2"/>
             <a:r>
-              <a:rPr lang="en-US" smtClean="0"/>
+              <a:rPr lang="en-US"/>
               <a:t>Third level</a:t>
             </a:r>
           </a:p>
           <a:p>
             <a:pPr lvl="3"/>
             <a:r>
-              <a:rPr lang="en-US" smtClean="0"/>
+              <a:rPr lang="en-US"/>
               <a:t>Fourth level</a:t>
             </a:r>
           </a:p>
           <a:p>
             <a:pPr lvl="4"/>
             <a:r>
-              <a:rPr lang="en-US" smtClean="0"/>
+              <a:rPr lang="en-US"/>
               <a:t>Fifth level</a:t>
             </a:r>
-            <a:endParaRPr lang="en-US"/>
           </a:p>
         </p:txBody>
       </p:sp>
@@ -1199,38 +1188,37 @@
           <a:p>
             <a:pPr lvl="0"/>
             <a:r>
-              <a:rPr lang="en-US" smtClean="0"/>
+              <a:rPr lang="en-US"/>
               <a:t>Click to edit Master text styles</a:t>
             </a:r>
           </a:p>
           <a:p>
             <a:pPr lvl="1"/>
             <a:r>
-              <a:rPr lang="en-US" smtClean="0"/>
+              <a:rPr lang="en-US"/>
               <a:t>Second level</a:t>
             </a:r>
           </a:p>
           <a:p>
             <a:pPr lvl="2"/>
             <a:r>
-              <a:rPr lang="en-US" smtClean="0"/>
+              <a:rPr lang="en-US"/>
               <a:t>Third level</a:t>
             </a:r>
           </a:p>
           <a:p>
             <a:pPr lvl="3"/>
             <a:r>
-              <a:rPr lang="en-US" smtClean="0"/>
+              <a:rPr lang="en-US"/>
               <a:t>Fourth level</a:t>
             </a:r>
           </a:p>
           <a:p>
             <a:pPr lvl="4"/>
             <a:r>
-              <a:rPr lang="en-US" smtClean="0"/>
+              <a:rPr lang="en-US"/>
               <a:t>Fifth level</a:t>
             </a:r>
-            <a:endParaRPr lang="en-US"/>
           </a:p>
         </p:txBody>
       </p:sp>
@@ -1251,7 +1239,7 @@
           <a:p>
             <a:fld id="{5B3AD1D6-AE87-C841-B3FD-7C9F7FCAE5AE}" type="datetimeFigureOut">
               <a:rPr lang="en-US" smtClean="0"/>
-              <a:t>12/15/19</a:t>
+              <a:t>12/22/19</a:t>
             </a:fld>
             <a:endParaRPr lang="en-US"/>
           </a:p>
@@ -1350,10 +1338,9 @@
           <a:lstStyle/>
           <a:p>
             <a:r>
-              <a:rPr lang="en-US" smtClean="0"/>
+              <a:rPr lang="en-US"/>
               <a:t>Click to edit Master title style</a:t>
             </a:r>
-            <a:endParaRPr lang="en-US"/>
           </a:p>
         </p:txBody>
       </p:sp>
@@ -1416,7 +1403,7 @@
           <a:p>
             <a:pPr lvl="0"/>
             <a:r>
-              <a:rPr lang="en-US" smtClean="0"/>
+              <a:rPr lang="en-US"/>
               <a:t>Click to edit Master text styles</a:t>
             </a:r>
           </a:p>
@@ -1444,38 +1431,37 @@
           <a:p>
             <a:pPr lvl="0"/>
             <a:r>
-              <a:rPr lang="en-US" smtClean="0"/>
+              <a:rPr lang="en-US"/>
               <a:t>Click to edit Master text styles</a:t>
             </a:r>
           </a:p>
           <a:p>
             <a:pPr lvl="1"/>
             <a:r>
-              <a:rPr lang="en-US" smtClean="0"/>
+              <a:rPr lang="en-US"/>
               <a:t>Second level</a:t>
             </a:r>
           </a:p>
           <a:p>
             <a:pPr lvl="2"/>
             <a:r>
-              <a:rPr lang="en-US" smtClean="0"/>
+              <a:rPr lang="en-US"/>
               <a:t>Third level</a:t>
             </a:r>
           </a:p>
           <a:p>
             <a:pPr lvl="3"/>
             <a:r>
-              <a:rPr lang="en-US" smtClean="0"/>
+              <a:rPr lang="en-US"/>
               <a:t>Fourth level</a:t>
             </a:r>
           </a:p>
           <a:p>
             <a:pPr lvl="4"/>
             <a:r>
-              <a:rPr lang="en-US" smtClean="0"/>
+              <a:rPr lang="en-US"/>
               <a:t>Fifth level</a:t>
             </a:r>
-            <a:endParaRPr lang="en-US"/>
           </a:p>
         </p:txBody>
       </p:sp>
@@ -1538,7 +1524,7 @@
           <a:p>
             <a:pPr lvl="0"/>
             <a:r>
-              <a:rPr lang="en-US" smtClean="0"/>
+              <a:rPr lang="en-US"/>
               <a:t>Click to edit Master text styles</a:t>
             </a:r>
           </a:p>
@@ -1566,38 +1552,37 @@
           <a:p>
             <a:pPr lvl="0"/>
             <a:r>
-              <a:rPr lang="en-US" smtClean="0"/>
+              <a:rPr lang="en-US"/>
               <a:t>Click to edit Master text styles</a:t>
             </a:r>
           </a:p>
           <a:p>
             <a:pPr lvl="1"/>
             <a:r>
-              <a:rPr lang="en-US" smtClean="0"/>
+              <a:rPr lang="en-US"/>
               <a:t>Second level</a:t>
             </a:r>
           </a:p>
           <a:p>
             <a:pPr lvl="2"/>
             <a:r>
-              <a:rPr lang="en-US" smtClean="0"/>
+              <a:rPr lang="en-US"/>
               <a:t>Third level</a:t>
             </a:r>
           </a:p>
           <a:p>
             <a:pPr lvl="3"/>
             <a:r>
-              <a:rPr lang="en-US" smtClean="0"/>
+              <a:rPr lang="en-US"/>
               <a:t>Fourth level</a:t>
             </a:r>
           </a:p>
           <a:p>
             <a:pPr lvl="4"/>
             <a:r>
-              <a:rPr lang="en-US" smtClean="0"/>
+              <a:rPr lang="en-US"/>
               <a:t>Fifth level</a:t>
             </a:r>
-            <a:endParaRPr lang="en-US"/>
           </a:p>
         </p:txBody>
       </p:sp>
@@ -1618,7 +1603,7 @@
           <a:p>
             <a:fld id="{5B3AD1D6-AE87-C841-B3FD-7C9F7FCAE5AE}" type="datetimeFigureOut">
               <a:rPr lang="en-US" smtClean="0"/>
-              <a:t>12/15/19</a:t>
+              <a:t>12/22/19</a:t>
             </a:fld>
             <a:endParaRPr lang="en-US"/>
           </a:p>
@@ -1712,10 +1697,9 @@
           <a:lstStyle/>
           <a:p>
             <a:r>
-              <a:rPr lang="en-US" smtClean="0"/>
+              <a:rPr lang="en-US"/>
               <a:t>Click to edit Master title style</a:t>
             </a:r>
-            <a:endParaRPr lang="en-US"/>
           </a:p>
         </p:txBody>
       </p:sp>
@@ -1736,7 +1720,7 @@
           <a:p>
             <a:fld id="{5B3AD1D6-AE87-C841-B3FD-7C9F7FCAE5AE}" type="datetimeFigureOut">
               <a:rPr lang="en-US" smtClean="0"/>
-              <a:t>12/15/19</a:t>
+              <a:t>12/22/19</a:t>
             </a:fld>
             <a:endParaRPr lang="en-US"/>
           </a:p>
@@ -1831,7 +1815,7 @@
           <a:p>
             <a:fld id="{5B3AD1D6-AE87-C841-B3FD-7C9F7FCAE5AE}" type="datetimeFigureOut">
               <a:rPr lang="en-US" smtClean="0"/>
-              <a:t>12/15/19</a:t>
+              <a:t>12/22/19</a:t>
             </a:fld>
             <a:endParaRPr lang="en-US"/>
           </a:p>
@@ -1934,10 +1918,9 @@
           </a:lstStyle>
           <a:p>
             <a:r>
-              <a:rPr lang="en-US" smtClean="0"/>
+              <a:rPr lang="en-US"/>
               <a:t>Click to edit Master title style</a:t>
             </a:r>
-            <a:endParaRPr lang="en-US"/>
           </a:p>
         </p:txBody>
       </p:sp>
@@ -1991,38 +1974,37 @@
           <a:p>
             <a:pPr lvl="0"/>
             <a:r>
-              <a:rPr lang="en-US" smtClean="0"/>
+              <a:rPr lang="en-US"/>
               <a:t>Click to edit Master text styles</a:t>
             </a:r>
           </a:p>
           <a:p>
             <a:pPr lvl="1"/>
             <a:r>
-              <a:rPr lang="en-US" smtClean="0"/>
+              <a:rPr lang="en-US"/>
               <a:t>Second level</a:t>
             </a:r>
           </a:p>
           <a:p>
             <a:pPr lvl="2"/>
             <a:r>
-              <a:rPr lang="en-US" smtClean="0"/>
+              <a:rPr lang="en-US"/>
               <a:t>Third level</a:t>
             </a:r>
           </a:p>
           <a:p>
             <a:pPr lvl="3"/>
             <a:r>
-              <a:rPr lang="en-US" smtClean="0"/>
+              <a:rPr lang="en-US"/>
               <a:t>Fourth level</a:t>
             </a:r>
           </a:p>
           <a:p>
             <a:pPr lvl="4"/>
             <a:r>
-              <a:rPr lang="en-US" smtClean="0"/>
+              <a:rPr lang="en-US"/>
               <a:t>Fifth level</a:t>
             </a:r>
-            <a:endParaRPr lang="en-US"/>
           </a:p>
         </p:txBody>
       </p:sp>
@@ -2085,7 +2067,7 @@
           <a:p>
             <a:pPr lvl="0"/>
             <a:r>
-              <a:rPr lang="en-US" smtClean="0"/>
+              <a:rPr lang="en-US"/>
               <a:t>Click to edit Master text styles</a:t>
             </a:r>
           </a:p>
@@ -2108,7 +2090,7 @@
           <a:p>
             <a:fld id="{5B3AD1D6-AE87-C841-B3FD-7C9F7FCAE5AE}" type="datetimeFigureOut">
               <a:rPr lang="en-US" smtClean="0"/>
-              <a:t>12/15/19</a:t>
+              <a:t>12/22/19</a:t>
             </a:fld>
             <a:endParaRPr lang="en-US"/>
           </a:p>
@@ -2211,10 +2193,9 @@
           </a:lstStyle>
           <a:p>
             <a:r>
-              <a:rPr lang="en-US" smtClean="0"/>
+              <a:rPr lang="en-US"/>
               <a:t>Click to edit Master title style</a:t>
             </a:r>
-            <a:endParaRPr lang="en-US"/>
           </a:p>
         </p:txBody>
       </p:sp>
@@ -2338,7 +2319,7 @@
           <a:p>
             <a:pPr lvl="0"/>
             <a:r>
-              <a:rPr lang="en-US" smtClean="0"/>
+              <a:rPr lang="en-US"/>
               <a:t>Click to edit Master text styles</a:t>
             </a:r>
           </a:p>
@@ -2361,7 +2342,7 @@
           <a:p>
             <a:fld id="{5B3AD1D6-AE87-C841-B3FD-7C9F7FCAE5AE}" type="datetimeFigureOut">
               <a:rPr lang="en-US" smtClean="0"/>
-              <a:t>12/15/19</a:t>
+              <a:t>12/22/19</a:t>
             </a:fld>
             <a:endParaRPr lang="en-US"/>
           </a:p>
@@ -2470,10 +2451,9 @@
           <a:lstStyle/>
           <a:p>
             <a:r>
-              <a:rPr lang="en-US" smtClean="0"/>
+              <a:rPr lang="en-US"/>
               <a:t>Click to edit Master title style</a:t>
             </a:r>
-            <a:endParaRPr lang="en-US"/>
           </a:p>
         </p:txBody>
       </p:sp>
@@ -2504,38 +2484,37 @@
           <a:p>
             <a:pPr lvl="0"/>
             <a:r>
-              <a:rPr lang="en-US" smtClean="0"/>
+              <a:rPr lang="en-US"/>
               <a:t>Click to edit Master text styles</a:t>
             </a:r>
           </a:p>
           <a:p>
             <a:pPr lvl="1"/>
             <a:r>
-              <a:rPr lang="en-US" smtClean="0"/>
+              <a:rPr lang="en-US"/>
               <a:t>Second level</a:t>
             </a:r>
           </a:p>
           <a:p>
             <a:pPr lvl="2"/>
             <a:r>
-              <a:rPr lang="en-US" smtClean="0"/>
+              <a:rPr lang="en-US"/>
               <a:t>Third level</a:t>
             </a:r>
           </a:p>
           <a:p>
             <a:pPr lvl="3"/>
             <a:r>
-              <a:rPr lang="en-US" smtClean="0"/>
+              <a:rPr lang="en-US"/>
               <a:t>Fourth level</a:t>
             </a:r>
           </a:p>
           <a:p>
             <a:pPr lvl="4"/>
             <a:r>
-              <a:rPr lang="en-US" smtClean="0"/>
+              <a:rPr lang="en-US"/>
               <a:t>Fifth level</a:t>
             </a:r>
-            <a:endParaRPr lang="en-US"/>
           </a:p>
         </p:txBody>
       </p:sp>
@@ -2574,7 +2553,7 @@
           <a:p>
             <a:fld id="{5B3AD1D6-AE87-C841-B3FD-7C9F7FCAE5AE}" type="datetimeFigureOut">
               <a:rPr lang="en-US" smtClean="0"/>
-              <a:t>12/15/19</a:t>
+              <a:t>12/22/19</a:t>
             </a:fld>
             <a:endParaRPr lang="en-US"/>
           </a:p>
@@ -3001,29 +2980,6 @@
           </a:bodyPr>
           <a:lstStyle/>
           <a:p>
-            <a:r>
-              <a:rPr lang="en-US" sz="4000" dirty="0" smtClean="0">
-                <a:latin typeface="Arial Black" charset="0"/>
-                <a:ea typeface="Arial Black" charset="0"/>
-                <a:cs typeface="Arial Black" charset="0"/>
-              </a:rPr>
-              <a:t/>
-            </a:r>
-            <a:br>
-              <a:rPr lang="en-US" sz="4000" dirty="0" smtClean="0">
-                <a:latin typeface="Arial Black" charset="0"/>
-                <a:ea typeface="Arial Black" charset="0"/>
-                <a:cs typeface="Arial Black" charset="0"/>
-              </a:rPr>
-            </a:br>
-            <a:r>
-              <a:rPr lang="en-US" sz="4000" dirty="0">
-                <a:latin typeface="Arial Black" charset="0"/>
-                <a:ea typeface="Arial Black" charset="0"/>
-                <a:cs typeface="Arial Black" charset="0"/>
-              </a:rPr>
-              <a:t/>
-            </a:r>
             <a:br>
               <a:rPr lang="en-US" sz="4000" dirty="0">
                 <a:latin typeface="Arial Black" charset="0"/>
@@ -3031,29 +2987,6 @@
                 <a:cs typeface="Arial Black" charset="0"/>
               </a:rPr>
             </a:br>
-            <a:r>
-              <a:rPr lang="en-US" sz="4000" dirty="0" smtClean="0">
-                <a:latin typeface="Arial Black" charset="0"/>
-                <a:ea typeface="Arial Black" charset="0"/>
-                <a:cs typeface="Arial Black" charset="0"/>
-              </a:rPr>
-              <a:t/>
-            </a:r>
-            <a:br>
-              <a:rPr lang="en-US" sz="4000" dirty="0" smtClean="0">
-                <a:latin typeface="Arial Black" charset="0"/>
-                <a:ea typeface="Arial Black" charset="0"/>
-                <a:cs typeface="Arial Black" charset="0"/>
-              </a:rPr>
-            </a:br>
-            <a:r>
-              <a:rPr lang="en-US" sz="4000" dirty="0">
-                <a:latin typeface="Arial Black" charset="0"/>
-                <a:ea typeface="Arial Black" charset="0"/>
-                <a:cs typeface="Arial Black" charset="0"/>
-              </a:rPr>
-              <a:t/>
-            </a:r>
             <a:br>
               <a:rPr lang="en-US" sz="4000" dirty="0">
                 <a:latin typeface="Arial Black" charset="0"/>
@@ -3061,29 +2994,6 @@
                 <a:cs typeface="Arial Black" charset="0"/>
               </a:rPr>
             </a:br>
-            <a:r>
-              <a:rPr lang="en-US" sz="4000" dirty="0" smtClean="0">
-                <a:latin typeface="Arial Black" charset="0"/>
-                <a:ea typeface="Arial Black" charset="0"/>
-                <a:cs typeface="Arial Black" charset="0"/>
-              </a:rPr>
-              <a:t/>
-            </a:r>
-            <a:br>
-              <a:rPr lang="en-US" sz="4000" dirty="0" smtClean="0">
-                <a:latin typeface="Arial Black" charset="0"/>
-                <a:ea typeface="Arial Black" charset="0"/>
-                <a:cs typeface="Arial Black" charset="0"/>
-              </a:rPr>
-            </a:br>
-            <a:r>
-              <a:rPr lang="en-US" sz="4000" dirty="0">
-                <a:latin typeface="Arial Black" charset="0"/>
-                <a:ea typeface="Arial Black" charset="0"/>
-                <a:cs typeface="Arial Black" charset="0"/>
-              </a:rPr>
-              <a:t/>
-            </a:r>
             <a:br>
               <a:rPr lang="en-US" sz="4000" dirty="0">
                 <a:latin typeface="Arial Black" charset="0"/>
@@ -3091,29 +3001,6 @@
                 <a:cs typeface="Arial Black" charset="0"/>
               </a:rPr>
             </a:br>
-            <a:r>
-              <a:rPr lang="en-US" sz="4000" dirty="0" smtClean="0">
-                <a:latin typeface="Arial Black" charset="0"/>
-                <a:ea typeface="Arial Black" charset="0"/>
-                <a:cs typeface="Arial Black" charset="0"/>
-              </a:rPr>
-              <a:t/>
-            </a:r>
-            <a:br>
-              <a:rPr lang="en-US" sz="4000" dirty="0" smtClean="0">
-                <a:latin typeface="Arial Black" charset="0"/>
-                <a:ea typeface="Arial Black" charset="0"/>
-                <a:cs typeface="Arial Black" charset="0"/>
-              </a:rPr>
-            </a:br>
-            <a:r>
-              <a:rPr lang="en-US" sz="4000" dirty="0">
-                <a:latin typeface="Arial Black" charset="0"/>
-                <a:ea typeface="Arial Black" charset="0"/>
-                <a:cs typeface="Arial Black" charset="0"/>
-              </a:rPr>
-              <a:t/>
-            </a:r>
             <a:br>
               <a:rPr lang="en-US" sz="4000" dirty="0">
                 <a:latin typeface="Arial Black" charset="0"/>
@@ -3121,29 +3008,6 @@
                 <a:cs typeface="Arial Black" charset="0"/>
               </a:rPr>
             </a:br>
-            <a:r>
-              <a:rPr lang="en-US" sz="4000" dirty="0" smtClean="0">
-                <a:latin typeface="Arial Black" charset="0"/>
-                <a:ea typeface="Arial Black" charset="0"/>
-                <a:cs typeface="Arial Black" charset="0"/>
-              </a:rPr>
-              <a:t/>
-            </a:r>
-            <a:br>
-              <a:rPr lang="en-US" sz="4000" dirty="0" smtClean="0">
-                <a:latin typeface="Arial Black" charset="0"/>
-                <a:ea typeface="Arial Black" charset="0"/>
-                <a:cs typeface="Arial Black" charset="0"/>
-              </a:rPr>
-            </a:br>
-            <a:r>
-              <a:rPr lang="en-US" sz="4000" dirty="0">
-                <a:latin typeface="Arial Black" charset="0"/>
-                <a:ea typeface="Arial Black" charset="0"/>
-                <a:cs typeface="Arial Black" charset="0"/>
-              </a:rPr>
-              <a:t/>
-            </a:r>
             <a:br>
               <a:rPr lang="en-US" sz="4000" dirty="0">
                 <a:latin typeface="Arial Black" charset="0"/>
@@ -3151,23 +3015,50 @@
                 <a:cs typeface="Arial Black" charset="0"/>
               </a:rPr>
             </a:br>
-            <a:r>
-              <a:rPr lang="en-US" sz="4000" dirty="0" smtClean="0">
-                <a:latin typeface="Arial Black" charset="0"/>
-                <a:ea typeface="Arial Black" charset="0"/>
-                <a:cs typeface="Arial Black" charset="0"/>
-              </a:rPr>
-              <a:t/>
-            </a:r>
             <a:br>
-              <a:rPr lang="en-US" sz="4000" dirty="0" smtClean="0">
+              <a:rPr lang="en-US" sz="4000" dirty="0">
                 <a:latin typeface="Arial Black" charset="0"/>
                 <a:ea typeface="Arial Black" charset="0"/>
                 <a:cs typeface="Arial Black" charset="0"/>
               </a:rPr>
             </a:br>
-            <a:r>
-              <a:rPr lang="en-US" sz="6700" dirty="0" smtClean="0">
+            <a:br>
+              <a:rPr lang="en-US" sz="4000" dirty="0">
+                <a:latin typeface="Arial Black" charset="0"/>
+                <a:ea typeface="Arial Black" charset="0"/>
+                <a:cs typeface="Arial Black" charset="0"/>
+              </a:rPr>
+            </a:br>
+            <a:br>
+              <a:rPr lang="en-US" sz="4000" dirty="0">
+                <a:latin typeface="Arial Black" charset="0"/>
+                <a:ea typeface="Arial Black" charset="0"/>
+                <a:cs typeface="Arial Black" charset="0"/>
+              </a:rPr>
+            </a:br>
+            <a:br>
+              <a:rPr lang="en-US" sz="4000" dirty="0">
+                <a:latin typeface="Arial Black" charset="0"/>
+                <a:ea typeface="Arial Black" charset="0"/>
+                <a:cs typeface="Arial Black" charset="0"/>
+              </a:rPr>
+            </a:br>
+            <a:br>
+              <a:rPr lang="en-US" sz="4000" dirty="0">
+                <a:latin typeface="Arial Black" charset="0"/>
+                <a:ea typeface="Arial Black" charset="0"/>
+                <a:cs typeface="Arial Black" charset="0"/>
+              </a:rPr>
+            </a:br>
+            <a:br>
+              <a:rPr lang="en-US" sz="4000" dirty="0">
+                <a:latin typeface="Arial Black" charset="0"/>
+                <a:ea typeface="Arial Black" charset="0"/>
+                <a:cs typeface="Arial Black" charset="0"/>
+              </a:rPr>
+            </a:br>
+            <a:r>
+              <a:rPr lang="en-US" sz="6700" dirty="0">
                 <a:latin typeface="Arial Black" charset="0"/>
                 <a:ea typeface="Arial Black" charset="0"/>
                 <a:cs typeface="Arial Black" charset="0"/>
@@ -3175,14 +3066,14 @@
               <a:t>Problems</a:t>
             </a:r>
             <a:br>
-              <a:rPr lang="en-US" sz="6700" dirty="0" smtClean="0">
+              <a:rPr lang="en-US" sz="6700" dirty="0">
                 <a:latin typeface="Arial Black" charset="0"/>
                 <a:ea typeface="Arial Black" charset="0"/>
                 <a:cs typeface="Arial Black" charset="0"/>
               </a:rPr>
             </a:br>
             <a:r>
-              <a:rPr lang="en-US" sz="6700" dirty="0" smtClean="0">
+              <a:rPr lang="en-US" sz="6700" dirty="0">
                 <a:latin typeface="Arial Black" charset="0"/>
                 <a:ea typeface="Arial Black" charset="0"/>
                 <a:cs typeface="Arial Black" charset="0"/>
@@ -3190,14 +3081,14 @@
               <a:t>on</a:t>
             </a:r>
             <a:br>
-              <a:rPr lang="en-US" sz="6700" dirty="0" smtClean="0">
+              <a:rPr lang="en-US" sz="6700" dirty="0">
                 <a:latin typeface="Arial Black" charset="0"/>
                 <a:ea typeface="Arial Black" charset="0"/>
                 <a:cs typeface="Arial Black" charset="0"/>
               </a:rPr>
             </a:br>
             <a:r>
-              <a:rPr lang="en-US" sz="6700" dirty="0" smtClean="0">
+              <a:rPr lang="en-US" sz="6700" dirty="0">
                 <a:latin typeface="Arial Black" charset="0"/>
                 <a:ea typeface="Arial Black" charset="0"/>
                 <a:cs typeface="Arial Black" charset="0"/>
@@ -3205,22 +3096,22 @@
               <a:t>Conditional Probability</a:t>
             </a:r>
             <a:br>
-              <a:rPr lang="en-US" sz="6700" dirty="0" smtClean="0">
+              <a:rPr lang="en-US" sz="6700" dirty="0">
                 <a:latin typeface="Arial Black" charset="0"/>
                 <a:ea typeface="Arial Black" charset="0"/>
                 <a:cs typeface="Arial Black" charset="0"/>
               </a:rPr>
             </a:br>
             <a:r>
-              <a:rPr lang="en-US" sz="6700" dirty="0" smtClean="0">
+              <a:rPr lang="en-US" altLang="ko-KR" sz="6700" dirty="0">
                 <a:latin typeface="Arial Black" charset="0"/>
                 <a:ea typeface="Arial Black" charset="0"/>
                 <a:cs typeface="Arial Black" charset="0"/>
               </a:rPr>
-              <a:t/>
+              <a:t>2011</a:t>
             </a:r>
             <a:br>
-              <a:rPr lang="en-US" sz="6700" dirty="0" smtClean="0">
+              <a:rPr lang="en-US" sz="6700" dirty="0">
                 <a:latin typeface="Arial Black" charset="0"/>
                 <a:ea typeface="Arial Black" charset="0"/>
                 <a:cs typeface="Arial Black" charset="0"/>
@@ -3458,18 +3349,13 @@
           <a:lstStyle/>
           <a:p>
             <a:r>
-              <a:rPr lang="en-US" sz="4000" dirty="0" smtClean="0">
+              <a:rPr lang="en-US" sz="4000" dirty="0">
                 <a:latin typeface="Arial Black" charset="0"/>
                 <a:ea typeface="Arial Black" charset="0"/>
                 <a:cs typeface="Arial Black" charset="0"/>
               </a:rPr>
               <a:t>Reference</a:t>
             </a:r>
-            <a:endParaRPr lang="en-US" sz="4000" dirty="0">
-              <a:latin typeface="Arial Black" charset="0"/>
-              <a:ea typeface="Arial Black" charset="0"/>
-              <a:cs typeface="Arial Black" charset="0"/>
-            </a:endParaRPr>
           </a:p>
         </p:txBody>
       </p:sp>
@@ -3488,7 +3374,7 @@
           <a:bodyPr/>
           <a:lstStyle/>
           <a:p>
-            <a:endParaRPr lang="en-US" sz="2000" dirty="0" smtClean="0">
+            <a:endParaRPr lang="en-US" sz="2000" dirty="0">
               <a:latin typeface="Arial Black" charset="0"/>
               <a:ea typeface="Arial Black" charset="0"/>
               <a:cs typeface="Arial Black" charset="0"/>
@@ -3497,7 +3383,7 @@
           </a:p>
           <a:p>
             <a:r>
-              <a:rPr lang="en-US" sz="2000" dirty="0" smtClean="0">
+              <a:rPr lang="en-US" sz="2000" dirty="0">
                 <a:latin typeface="Arial Black" charset="0"/>
                 <a:ea typeface="Arial Black" charset="0"/>
                 <a:cs typeface="Arial Black" charset="0"/>
@@ -3505,14 +3391,14 @@
               </a:rPr>
               <a:t>Data</a:t>
             </a:r>
-            <a:endParaRPr lang="en-US" sz="2000" dirty="0" smtClean="0">
+            <a:endParaRPr lang="en-US" sz="2000" dirty="0">
               <a:latin typeface="Arial Black" charset="0"/>
               <a:ea typeface="Arial Black" charset="0"/>
               <a:cs typeface="Arial Black" charset="0"/>
             </a:endParaRPr>
           </a:p>
           <a:p>
-            <a:endParaRPr lang="en-US" sz="2000" dirty="0" smtClean="0">
+            <a:endParaRPr lang="en-US" sz="2000" dirty="0">
               <a:latin typeface="Arial Black" charset="0"/>
               <a:ea typeface="Arial Black" charset="0"/>
               <a:cs typeface="Arial Black" charset="0"/>
@@ -3520,7 +3406,7 @@
           </a:p>
           <a:p>
             <a:r>
-              <a:rPr lang="en-US" sz="2000" dirty="0" smtClean="0">
+              <a:rPr lang="en-US" sz="2000" dirty="0">
                 <a:latin typeface="Arial Black" charset="0"/>
                 <a:ea typeface="Arial Black" charset="0"/>
                 <a:cs typeface="Arial Black" charset="0"/>
@@ -3528,14 +3414,14 @@
               </a:rPr>
               <a:t>Youtube</a:t>
             </a:r>
-            <a:endParaRPr lang="en-US" sz="2000" dirty="0" smtClean="0">
+            <a:endParaRPr lang="en-US" sz="2000" dirty="0">
               <a:latin typeface="Arial Black" charset="0"/>
               <a:ea typeface="Arial Black" charset="0"/>
               <a:cs typeface="Arial Black" charset="0"/>
             </a:endParaRPr>
           </a:p>
           <a:p>
-            <a:endParaRPr lang="en-US" dirty="0" smtClean="0">
+            <a:endParaRPr lang="en-US" dirty="0">
               <a:latin typeface="Arial Black" charset="0"/>
               <a:ea typeface="Arial Black" charset="0"/>
               <a:cs typeface="Arial Black" charset="0"/>
@@ -3543,7 +3429,7 @@
           </a:p>
           <a:p>
             <a:r>
-              <a:rPr lang="en-US" sz="2000" dirty="0" smtClean="0">
+              <a:rPr lang="en-US" sz="2000" dirty="0">
                 <a:latin typeface="Arial Black" charset="0"/>
                 <a:ea typeface="Arial Black" charset="0"/>
                 <a:cs typeface="Arial Black" charset="0"/>
@@ -3551,7 +3437,7 @@
               </a:rPr>
               <a:t>Code</a:t>
             </a:r>
-            <a:endParaRPr lang="en-US" sz="2000" dirty="0" smtClean="0">
+            <a:endParaRPr lang="en-US" sz="2000" dirty="0">
               <a:latin typeface="Arial Black" charset="0"/>
               <a:ea typeface="Arial Black" charset="0"/>
               <a:cs typeface="Arial Black" charset="0"/>
@@ -3570,13 +3456,6 @@
   <p:clrMapOvr>
     <a:masterClrMapping/>
   </p:clrMapOvr>
-  <p:timing>
-    <p:tnLst>
-      <p:par>
-        <p:cTn id="1" dur="indefinite" restart="never" nodeType="tmRoot"/>
-      </p:par>
-    </p:tnLst>
-  </p:timing>
 </p:sld>
 </file>
 
@@ -3620,42 +3499,13 @@
           <a:lstStyle/>
           <a:p>
             <a:r>
-              <a:rPr lang="en-US" sz="4000" dirty="0" smtClean="0">
-                <a:latin typeface="Arial Black" charset="0"/>
-                <a:ea typeface="Arial Black" charset="0"/>
-                <a:cs typeface="Arial Black" charset="0"/>
-              </a:rPr>
-              <a:t>[</a:t>
-            </a:r>
-            <a:r>
-              <a:rPr lang="en-US" sz="4000" dirty="0" smtClean="0">
-                <a:latin typeface="Arial Black" charset="0"/>
-                <a:ea typeface="Arial Black" charset="0"/>
-                <a:cs typeface="Arial Black" charset="0"/>
-              </a:rPr>
-              <a:t>201</a:t>
-            </a:r>
-            <a:r>
               <a:rPr lang="en-US" sz="4000" dirty="0">
                 <a:latin typeface="Arial Black" charset="0"/>
                 <a:ea typeface="Arial Black" charset="0"/>
                 <a:cs typeface="Arial Black" charset="0"/>
               </a:rPr>
-              <a:t>1</a:t>
-            </a:r>
-            <a:r>
-              <a:rPr lang="en-US" sz="4000" dirty="0" smtClean="0">
-                <a:latin typeface="Arial Black" charset="0"/>
-                <a:ea typeface="Arial Black" charset="0"/>
-                <a:cs typeface="Arial Black" charset="0"/>
-              </a:rPr>
-              <a:t>]</a:t>
-            </a:r>
-            <a:endParaRPr lang="en-US" sz="4000" dirty="0">
-              <a:latin typeface="Arial Black" charset="0"/>
-              <a:ea typeface="Arial Black" charset="0"/>
-              <a:cs typeface="Arial Black" charset="0"/>
-            </a:endParaRPr>
+              <a:t>[2011]</a:t>
+            </a:r>
           </a:p>
         </p:txBody>
       </p:sp>
